--- a/postmortem/PostMortem.pptx
+++ b/postmortem/PostMortem.pptx
@@ -9,7 +9,8 @@
     <p:sldId id="257" r:id="rId3"/>
     <p:sldId id="258" r:id="rId4"/>
     <p:sldId id="259" r:id="rId5"/>
-    <p:sldId id="260" r:id="rId6"/>
+    <p:sldId id="261" r:id="rId6"/>
+    <p:sldId id="260" r:id="rId7"/>
   </p:sldIdLst>
   <p:sldSz cx="12192000" cy="6858000"/>
   <p:notesSz cx="6858000" cy="9144000"/>
@@ -838,7 +839,7 @@
           <a:p>
             <a:fld id="{49061317-C13C-4E1E-B9DB-7C7ACF6A1256}" type="datetimeFigureOut">
               <a:rPr lang="es-ES" smtClean="0"/>
-              <a:t>26/02/2015</a:t>
+              <a:t>05/03/2015</a:t>
             </a:fld>
             <a:endParaRPr lang="es-ES" dirty="0"/>
           </a:p>
@@ -1089,7 +1090,7 @@
           <a:p>
             <a:fld id="{49061317-C13C-4E1E-B9DB-7C7ACF6A1256}" type="datetimeFigureOut">
               <a:rPr lang="es-ES" smtClean="0"/>
-              <a:t>26/02/2015</a:t>
+              <a:t>05/03/2015</a:t>
             </a:fld>
             <a:endParaRPr lang="es-ES" dirty="0"/>
           </a:p>
@@ -1403,7 +1404,7 @@
           <a:p>
             <a:fld id="{49061317-C13C-4E1E-B9DB-7C7ACF6A1256}" type="datetimeFigureOut">
               <a:rPr lang="es-ES" smtClean="0"/>
-              <a:t>26/02/2015</a:t>
+              <a:t>05/03/2015</a:t>
             </a:fld>
             <a:endParaRPr lang="es-ES" dirty="0"/>
           </a:p>
@@ -1744,7 +1745,7 @@
           <a:p>
             <a:fld id="{49061317-C13C-4E1E-B9DB-7C7ACF6A1256}" type="datetimeFigureOut">
               <a:rPr lang="es-ES" smtClean="0"/>
-              <a:t>26/02/2015</a:t>
+              <a:t>05/03/2015</a:t>
             </a:fld>
             <a:endParaRPr lang="es-ES" dirty="0"/>
           </a:p>
@@ -2058,7 +2059,7 @@
           <a:p>
             <a:fld id="{49061317-C13C-4E1E-B9DB-7C7ACF6A1256}" type="datetimeFigureOut">
               <a:rPr lang="es-ES" smtClean="0"/>
-              <a:t>26/02/2015</a:t>
+              <a:t>05/03/2015</a:t>
             </a:fld>
             <a:endParaRPr lang="es-ES" dirty="0"/>
           </a:p>
@@ -2451,7 +2452,7 @@
           <a:p>
             <a:fld id="{49061317-C13C-4E1E-B9DB-7C7ACF6A1256}" type="datetimeFigureOut">
               <a:rPr lang="es-ES" smtClean="0"/>
-              <a:t>26/02/2015</a:t>
+              <a:t>05/03/2015</a:t>
             </a:fld>
             <a:endParaRPr lang="es-ES" dirty="0"/>
           </a:p>
@@ -2621,7 +2622,7 @@
           <a:p>
             <a:fld id="{49061317-C13C-4E1E-B9DB-7C7ACF6A1256}" type="datetimeFigureOut">
               <a:rPr lang="es-ES" smtClean="0"/>
-              <a:t>26/02/2015</a:t>
+              <a:t>05/03/2015</a:t>
             </a:fld>
             <a:endParaRPr lang="es-ES" dirty="0"/>
           </a:p>
@@ -2801,7 +2802,7 @@
           <a:p>
             <a:fld id="{49061317-C13C-4E1E-B9DB-7C7ACF6A1256}" type="datetimeFigureOut">
               <a:rPr lang="es-ES" smtClean="0"/>
-              <a:t>26/02/2015</a:t>
+              <a:t>05/03/2015</a:t>
             </a:fld>
             <a:endParaRPr lang="es-ES" dirty="0"/>
           </a:p>
@@ -2977,7 +2978,7 @@
           <a:p>
             <a:fld id="{49061317-C13C-4E1E-B9DB-7C7ACF6A1256}" type="datetimeFigureOut">
               <a:rPr lang="es-ES" smtClean="0"/>
-              <a:t>26/02/2015</a:t>
+              <a:t>05/03/2015</a:t>
             </a:fld>
             <a:endParaRPr lang="es-ES" dirty="0"/>
           </a:p>
@@ -3224,7 +3225,7 @@
           <a:p>
             <a:fld id="{49061317-C13C-4E1E-B9DB-7C7ACF6A1256}" type="datetimeFigureOut">
               <a:rPr lang="es-ES" smtClean="0"/>
-              <a:t>26/02/2015</a:t>
+              <a:t>05/03/2015</a:t>
             </a:fld>
             <a:endParaRPr lang="es-ES" dirty="0"/>
           </a:p>
@@ -3456,7 +3457,7 @@
           <a:p>
             <a:fld id="{49061317-C13C-4E1E-B9DB-7C7ACF6A1256}" type="datetimeFigureOut">
               <a:rPr lang="es-ES" smtClean="0"/>
-              <a:t>26/02/2015</a:t>
+              <a:t>05/03/2015</a:t>
             </a:fld>
             <a:endParaRPr lang="es-ES" dirty="0"/>
           </a:p>
@@ -3830,7 +3831,7 @@
           <a:p>
             <a:fld id="{49061317-C13C-4E1E-B9DB-7C7ACF6A1256}" type="datetimeFigureOut">
               <a:rPr lang="es-ES" smtClean="0"/>
-              <a:t>26/02/2015</a:t>
+              <a:t>05/03/2015</a:t>
             </a:fld>
             <a:endParaRPr lang="es-ES" dirty="0"/>
           </a:p>
@@ -3953,7 +3954,7 @@
           <a:p>
             <a:fld id="{49061317-C13C-4E1E-B9DB-7C7ACF6A1256}" type="datetimeFigureOut">
               <a:rPr lang="es-ES" smtClean="0"/>
-              <a:t>26/02/2015</a:t>
+              <a:t>05/03/2015</a:t>
             </a:fld>
             <a:endParaRPr lang="es-ES" dirty="0"/>
           </a:p>
@@ -4048,7 +4049,7 @@
           <a:p>
             <a:fld id="{49061317-C13C-4E1E-B9DB-7C7ACF6A1256}" type="datetimeFigureOut">
               <a:rPr lang="es-ES" smtClean="0"/>
-              <a:t>26/02/2015</a:t>
+              <a:t>05/03/2015</a:t>
             </a:fld>
             <a:endParaRPr lang="es-ES" dirty="0"/>
           </a:p>
@@ -4303,7 +4304,7 @@
           <a:p>
             <a:fld id="{49061317-C13C-4E1E-B9DB-7C7ACF6A1256}" type="datetimeFigureOut">
               <a:rPr lang="es-ES" smtClean="0"/>
-              <a:t>26/02/2015</a:t>
+              <a:t>05/03/2015</a:t>
             </a:fld>
             <a:endParaRPr lang="es-ES" dirty="0"/>
           </a:p>
@@ -4566,7 +4567,7 @@
           <a:p>
             <a:fld id="{49061317-C13C-4E1E-B9DB-7C7ACF6A1256}" type="datetimeFigureOut">
               <a:rPr lang="es-ES" smtClean="0"/>
-              <a:t>26/02/2015</a:t>
+              <a:t>05/03/2015</a:t>
             </a:fld>
             <a:endParaRPr lang="es-ES" dirty="0"/>
           </a:p>
@@ -5309,7 +5310,7 @@
           <a:p>
             <a:fld id="{49061317-C13C-4E1E-B9DB-7C7ACF6A1256}" type="datetimeFigureOut">
               <a:rPr lang="es-ES" smtClean="0"/>
-              <a:t>26/02/2015</a:t>
+              <a:t>05/03/2015</a:t>
             </a:fld>
             <a:endParaRPr lang="es-ES" dirty="0"/>
           </a:p>
@@ -5976,156 +5977,68 @@
         </p:spPr>
         <p:txBody>
           <a:bodyPr>
-            <a:normAutofit lnSpcReduction="10000"/>
+            <a:normAutofit/>
           </a:bodyPr>
           <a:lstStyle/>
           <a:p>
             <a:pPr algn="just"/>
             <a:r>
               <a:rPr lang="es-CO" dirty="0" smtClean="0"/>
-              <a:t>Debido a los limitados conocimientos con respecto al los lenguajes  que serian usados para el desarrollo de la aplicación (HTML, CSS, JAVASCRIPT, PHP)  la idea  inicial de como construir la aplicación no fue muy acertada.</a:t>
-            </a:r>
-            <a:endParaRPr lang="es-ES" dirty="0"/>
-          </a:p>
-          <a:p>
-            <a:pPr marL="0" indent="0" algn="just">
-              <a:buNone/>
-            </a:pPr>
-            <a:r>
-              <a:rPr lang="es-CO" dirty="0"/>
-              <a:t> </a:t>
-            </a:r>
-            <a:r>
-              <a:rPr lang="es-CO" dirty="0" smtClean="0"/>
-              <a:t>    Inicialmente se planteo: </a:t>
-            </a:r>
-            <a:r>
-              <a:rPr lang="es-CO" dirty="0" err="1" smtClean="0">
+              <a:t>Con respecto a la implementación y debido a la mala organización del código, se decidió realizar todo desde el principio tomando como base la siguiente planeación.</a:t>
+            </a:r>
+          </a:p>
+          <a:p>
+            <a:pPr algn="just"/>
+            <a:endParaRPr lang="es-CO" dirty="0"/>
+          </a:p>
+          <a:p>
+            <a:pPr algn="just"/>
+            <a:r>
+              <a:rPr lang="es-CO" dirty="0" smtClean="0">
                 <a:hlinkClick r:id="rId2" action="ppaction://hlinkfile"/>
               </a:rPr>
-              <a:t>Documento_Planeacion_Inicial</a:t>
+              <a:t>Planeación</a:t>
             </a:r>
             <a:endParaRPr lang="es-CO" dirty="0" smtClean="0"/>
           </a:p>
           <a:p>
-            <a:pPr marL="0" indent="0" algn="just">
-              <a:buNone/>
-            </a:pPr>
+            <a:pPr algn="just"/>
+            <a:endParaRPr lang="es-CO" dirty="0"/>
+          </a:p>
+          <a:p>
+            <a:pPr algn="just"/>
             <a:r>
               <a:rPr lang="es-CO" dirty="0" smtClean="0"/>
-              <a:t>     Al modelar la idea inicial se obtuvieron los siguientes diagramas:</a:t>
-            </a:r>
-          </a:p>
-          <a:p>
-            <a:pPr marL="0" indent="0" algn="just">
-              <a:buNone/>
-            </a:pPr>
+              <a:t>Con base en la planeación se realizó el diagrama de clases </a:t>
+            </a:r>
+            <a:r>
+              <a:rPr lang="es-CO" dirty="0" err="1" smtClean="0"/>
+              <a:t>uml</a:t>
+            </a:r>
             <a:r>
               <a:rPr lang="es-CO" dirty="0" smtClean="0"/>
-              <a:t>     </a:t>
-            </a:r>
+              <a:t> y el modelo entidad relación de la base de datos.</a:t>
+            </a:r>
+          </a:p>
+          <a:p>
+            <a:pPr algn="just"/>
+            <a:endParaRPr lang="es-CO" dirty="0"/>
+          </a:p>
+          <a:p>
+            <a:pPr algn="just"/>
+            <a:r>
+              <a:rPr lang="es-CO" dirty="0" err="1" smtClean="0"/>
+              <a:t>Diagrama_Clases</a:t>
+            </a:r>
+            <a:endParaRPr lang="es-CO" dirty="0" smtClean="0"/>
+          </a:p>
+          <a:p>
+            <a:pPr algn="just"/>
             <a:r>
               <a:rPr lang="es-CO" dirty="0" err="1" smtClean="0">
                 <a:hlinkClick r:id="rId3" action="ppaction://hlinkfile"/>
               </a:rPr>
-              <a:t>Modelo_Entidad_Relacion</a:t>
-            </a:r>
-            <a:r>
-              <a:rPr lang="es-CO" dirty="0" err="1">
-                <a:hlinkClick r:id="rId3" action="ppaction://hlinkfile"/>
-              </a:rPr>
-              <a:t>_</a:t>
-            </a:r>
-            <a:r>
-              <a:rPr lang="es-CO" dirty="0" err="1" smtClean="0">
-                <a:hlinkClick r:id="rId3" action="ppaction://hlinkfile"/>
-              </a:rPr>
-              <a:t>Inicial</a:t>
-            </a:r>
-            <a:endParaRPr lang="es-CO" dirty="0" smtClean="0"/>
-          </a:p>
-          <a:p>
-            <a:pPr marL="0" indent="0" algn="just">
-              <a:buNone/>
-            </a:pPr>
-            <a:r>
-              <a:rPr lang="es-CO" dirty="0"/>
-              <a:t> </a:t>
-            </a:r>
-            <a:r>
-              <a:rPr lang="es-CO" dirty="0" smtClean="0"/>
-              <a:t>    </a:t>
-            </a:r>
-            <a:r>
-              <a:rPr lang="es-CO" dirty="0" err="1" smtClean="0">
-                <a:hlinkClick r:id="rId4" action="ppaction://hlinkfile"/>
-              </a:rPr>
-              <a:t>Diagrama_Clases_Inicial</a:t>
-            </a:r>
-            <a:endParaRPr lang="es-CO" dirty="0"/>
-          </a:p>
-          <a:p>
-            <a:pPr marL="0" indent="0" algn="just">
-              <a:buNone/>
-            </a:pPr>
-            <a:r>
-              <a:rPr lang="es-CO" dirty="0" smtClean="0"/>
-              <a:t>Durante el desarrollo de la aplicación y acorde se conocían mas los lenguajes     se fueron efectuando cambios tanto en la planeación inicial como en los diagrama y/o modelos antes realizados,  hasta llegar a lo que fue se tomo como     versión final del de los documentos antes mencionados, a lo que se puede presentar como versión final los siguientes:</a:t>
-            </a:r>
-          </a:p>
-          <a:p>
-            <a:pPr marL="0" indent="0" algn="just">
-              <a:buNone/>
-            </a:pPr>
-            <a:r>
-              <a:rPr lang="es-CO" dirty="0"/>
-              <a:t> </a:t>
-            </a:r>
-            <a:r>
-              <a:rPr lang="es-CO" dirty="0" smtClean="0"/>
-              <a:t>  </a:t>
-            </a:r>
-            <a:r>
-              <a:rPr lang="es-CO" dirty="0" err="1" smtClean="0">
-                <a:hlinkClick r:id="rId5" action="ppaction://hlinkfile"/>
-              </a:rPr>
-              <a:t>Documento_Planeacion</a:t>
-            </a:r>
-            <a:endParaRPr lang="es-CO" dirty="0" smtClean="0"/>
-          </a:p>
-          <a:p>
-            <a:pPr marL="0" indent="0" algn="just">
-              <a:buNone/>
-            </a:pPr>
-            <a:r>
-              <a:rPr lang="es-CO" dirty="0"/>
-              <a:t> </a:t>
-            </a:r>
-            <a:r>
-              <a:rPr lang="es-CO" dirty="0" smtClean="0"/>
-              <a:t>  </a:t>
-            </a:r>
-            <a:r>
-              <a:rPr lang="es-CO" dirty="0" err="1" smtClean="0">
-                <a:hlinkClick r:id="rId6" action="ppaction://hlinkfile"/>
-              </a:rPr>
-              <a:t>Modelo_Entidad_Relacion</a:t>
-            </a:r>
-            <a:endParaRPr lang="es-CO" dirty="0" smtClean="0"/>
-          </a:p>
-          <a:p>
-            <a:pPr marL="0" indent="0" algn="just">
-              <a:buNone/>
-            </a:pPr>
-            <a:r>
-              <a:rPr lang="es-CO" dirty="0" smtClean="0"/>
-              <a:t>   </a:t>
-            </a:r>
-            <a:r>
-              <a:rPr lang="es-CO" dirty="0" err="1" smtClean="0">
-                <a:hlinkClick r:id="rId7" action="ppaction://hlinkfile"/>
-              </a:rPr>
-              <a:t>Diagrama_Clases</a:t>
+              <a:t>ModeloEntidad-Relacion</a:t>
             </a:r>
             <a:endParaRPr lang="es-CO" dirty="0"/>
           </a:p>
@@ -6213,7 +6126,7 @@
             <p:ph idx="1"/>
             <p:extLst>
               <p:ext uri="{D42A27DB-BD31-4B8C-83A1-F6EECF244321}">
-                <p14:modId xmlns:p14="http://schemas.microsoft.com/office/powerpoint/2010/main" val="3448000992"/>
+                <p14:modId xmlns:p14="http://schemas.microsoft.com/office/powerpoint/2010/main" val="1731563915"/>
               </p:ext>
             </p:extLst>
           </p:nvPr>
@@ -6335,7 +6248,11 @@
                       <a:pPr algn="ctr"/>
                       <a:r>
                         <a:rPr lang="es-CO" dirty="0" smtClean="0"/>
-                        <a:t>4 Horas</a:t>
+                        <a:t>2 </a:t>
+                      </a:r>
+                      <a:r>
+                        <a:rPr lang="es-CO" dirty="0" smtClean="0"/>
+                        <a:t>Horas</a:t>
                       </a:r>
                       <a:endParaRPr lang="es-ES" dirty="0"/>
                     </a:p>
@@ -6349,12 +6266,8 @@
                     <a:p>
                       <a:pPr algn="ctr"/>
                       <a:r>
-                        <a:rPr lang="es-CO" dirty="0" smtClean="0"/>
-                        <a:t>1,5</a:t>
-                      </a:r>
-                      <a:r>
                         <a:rPr lang="es-CO" baseline="0" dirty="0" smtClean="0"/>
-                        <a:t> Horas</a:t>
+                        <a:t>3 Horas</a:t>
                       </a:r>
                       <a:endParaRPr lang="es-ES" dirty="0"/>
                     </a:p>
@@ -6368,7 +6281,7 @@
                     <a:p>
                       <a:r>
                         <a:rPr lang="es-CO" dirty="0" smtClean="0"/>
-                        <a:t>22/02/2015</a:t>
+                        <a:t>28/02/2015</a:t>
                       </a:r>
                       <a:endParaRPr lang="es-ES" dirty="0"/>
                     </a:p>
@@ -6382,7 +6295,7 @@
                     <a:p>
                       <a:r>
                         <a:rPr lang="es-CO" u="sng" dirty="0" smtClean="0"/>
-                        <a:t>26/02/2015</a:t>
+                        <a:t>28/02/2015</a:t>
                       </a:r>
                       <a:endParaRPr lang="es-ES" u="sng" dirty="0"/>
                     </a:p>
@@ -6428,11 +6341,7 @@
                       <a:pPr algn="ctr"/>
                       <a:r>
                         <a:rPr lang="es-CO" dirty="0" smtClean="0"/>
-                        <a:t>40</a:t>
-                      </a:r>
-                      <a:r>
-                        <a:rPr lang="es-CO" baseline="0" dirty="0" smtClean="0"/>
-                        <a:t> Minutos</a:t>
+                        <a:t>1 Hora</a:t>
                       </a:r>
                       <a:endParaRPr lang="es-ES" dirty="0"/>
                     </a:p>
@@ -6446,7 +6355,7 @@
                     <a:p>
                       <a:r>
                         <a:rPr lang="es-CO" dirty="0" smtClean="0"/>
-                        <a:t>22/02/2015</a:t>
+                        <a:t>28/02/2015</a:t>
                       </a:r>
                       <a:endParaRPr lang="es-ES" dirty="0"/>
                     </a:p>
@@ -6460,7 +6369,7 @@
                     <a:p>
                       <a:r>
                         <a:rPr lang="es-CO" dirty="0" smtClean="0"/>
-                        <a:t>26/02/2015</a:t>
+                        <a:t>28/02/2015</a:t>
                       </a:r>
                       <a:endParaRPr lang="es-ES" dirty="0"/>
                     </a:p>
@@ -6506,7 +6415,11 @@
                       <a:pPr algn="ctr"/>
                       <a:r>
                         <a:rPr lang="es-CO" dirty="0" smtClean="0"/>
-                        <a:t>14 Horas</a:t>
+                        <a:t>8,1 </a:t>
+                      </a:r>
+                      <a:r>
+                        <a:rPr lang="es-CO" dirty="0" smtClean="0"/>
+                        <a:t>Horas</a:t>
                       </a:r>
                       <a:endParaRPr lang="es-ES" dirty="0"/>
                     </a:p>
@@ -6520,7 +6433,7 @@
                     <a:p>
                       <a:r>
                         <a:rPr lang="es-CO" dirty="0" smtClean="0"/>
-                        <a:t>26/02/2015</a:t>
+                        <a:t>05/03/2015</a:t>
                       </a:r>
                       <a:endParaRPr lang="es-ES" dirty="0"/>
                     </a:p>
@@ -6534,7 +6447,7 @@
                     <a:p>
                       <a:r>
                         <a:rPr lang="es-CO" dirty="0" smtClean="0"/>
-                        <a:t>26/02/2015</a:t>
+                        <a:t>05/03/2015</a:t>
                       </a:r>
                       <a:endParaRPr lang="es-ES" dirty="0"/>
                     </a:p>
@@ -6565,7 +6478,11 @@
                       <a:pPr algn="ctr"/>
                       <a:r>
                         <a:rPr lang="es-CO" dirty="0" smtClean="0"/>
-                        <a:t>1 Horas</a:t>
+                        <a:t>2 </a:t>
+                      </a:r>
+                      <a:r>
+                        <a:rPr lang="es-CO" dirty="0" smtClean="0"/>
+                        <a:t>Horas</a:t>
                       </a:r>
                       <a:endParaRPr lang="es-ES" dirty="0"/>
                     </a:p>
@@ -6580,7 +6497,11 @@
                       <a:pPr algn="ctr"/>
                       <a:r>
                         <a:rPr lang="es-CO" dirty="0" smtClean="0"/>
-                        <a:t>2 Horas</a:t>
+                        <a:t>1 </a:t>
+                      </a:r>
+                      <a:r>
+                        <a:rPr lang="es-CO" dirty="0" smtClean="0"/>
+                        <a:t>Horas</a:t>
                       </a:r>
                       <a:endParaRPr lang="es-ES" dirty="0"/>
                     </a:p>
@@ -6594,7 +6515,7 @@
                     <a:p>
                       <a:r>
                         <a:rPr lang="es-CO" dirty="0" smtClean="0"/>
-                        <a:t>26/02/2015</a:t>
+                        <a:t>05/03/2015</a:t>
                       </a:r>
                       <a:endParaRPr lang="es-ES" dirty="0"/>
                     </a:p>
@@ -6608,7 +6529,7 @@
                     <a:p>
                       <a:r>
                         <a:rPr lang="es-CO" dirty="0" smtClean="0"/>
-                        <a:t>26/02/2015</a:t>
+                        <a:t>05/03/2015</a:t>
                       </a:r>
                       <a:endParaRPr lang="es-ES" dirty="0"/>
                     </a:p>
@@ -6713,25 +6634,41 @@
           <a:p>
             <a:r>
               <a:rPr lang="es-CO" dirty="0" smtClean="0"/>
-              <a:t>PHP:100 Aproximadamente</a:t>
-            </a:r>
-          </a:p>
-          <a:p>
+              <a:t>PHP:105 </a:t>
+            </a:r>
             <a:r>
               <a:rPr lang="es-CO" dirty="0" smtClean="0"/>
-              <a:t>CSS:60 Aproximadamente</a:t>
+              <a:t>Aproximadamente</a:t>
             </a:r>
           </a:p>
           <a:p>
             <a:r>
               <a:rPr lang="es-CO" dirty="0" smtClean="0"/>
-              <a:t>JAVASCRIPT:40 Aproximadamente </a:t>
-            </a:r>
-          </a:p>
-          <a:p>
+              <a:t>CSS:14 </a:t>
+            </a:r>
             <a:r>
               <a:rPr lang="es-CO" dirty="0" smtClean="0"/>
-              <a:t>HTML:75 Aproximadamente</a:t>
+              <a:t>Aproximadamente</a:t>
+            </a:r>
+          </a:p>
+          <a:p>
+            <a:r>
+              <a:rPr lang="es-CO" dirty="0" smtClean="0"/>
+              <a:t>JAVASCRIPT:8 </a:t>
+            </a:r>
+            <a:r>
+              <a:rPr lang="es-CO" dirty="0" smtClean="0"/>
+              <a:t>Aproximadamente </a:t>
+            </a:r>
+          </a:p>
+          <a:p>
+            <a:r>
+              <a:rPr lang="es-CO" dirty="0" smtClean="0"/>
+              <a:t>HTML:90 </a:t>
+            </a:r>
+            <a:r>
+              <a:rPr lang="es-CO" dirty="0" smtClean="0"/>
+              <a:t>Aproximadamente</a:t>
             </a:r>
           </a:p>
           <a:p>
@@ -6740,7 +6677,31 @@
           <a:p>
             <a:r>
               <a:rPr lang="es-CO" dirty="0" smtClean="0"/>
-              <a:t>Lo que nos da un total de 275 líneas de código, si en total se gasto aproximadamente  un total de 18 horas y 10 minutos realizando la aplicación, tendríamos un promedio de  15 líneas de código por hora aproximadamente.</a:t>
+              <a:t>Lo que nos da un total de </a:t>
+            </a:r>
+            <a:r>
+              <a:rPr lang="es-CO" dirty="0" smtClean="0"/>
+              <a:t>217 </a:t>
+            </a:r>
+            <a:r>
+              <a:rPr lang="es-CO" dirty="0" smtClean="0"/>
+              <a:t>líneas de código, si en total se gasto aproximadamente  un total de </a:t>
+            </a:r>
+            <a:r>
+              <a:rPr lang="es-CO" dirty="0" smtClean="0"/>
+              <a:t>15,1 Horas </a:t>
+            </a:r>
+            <a:r>
+              <a:rPr lang="es-CO" dirty="0" smtClean="0"/>
+              <a:t>realizando la aplicación, tendríamos un promedio de  </a:t>
+            </a:r>
+            <a:r>
+              <a:rPr lang="es-CO" dirty="0" smtClean="0"/>
+              <a:t>14 </a:t>
+            </a:r>
+            <a:r>
+              <a:rPr lang="es-CO" dirty="0" smtClean="0"/>
+              <a:t>líneas de código por hora aproximadamente.</a:t>
             </a:r>
             <a:endParaRPr lang="es-ES" dirty="0"/>
           </a:p>
@@ -6796,6 +6757,351 @@
         <p:spPr>
           <a:xfrm>
             <a:off x="677334" y="609600"/>
+            <a:ext cx="8596668" cy="665408"/>
+          </a:xfrm>
+        </p:spPr>
+        <p:txBody>
+          <a:bodyPr/>
+          <a:lstStyle/>
+          <a:p>
+            <a:r>
+              <a:rPr lang="es-CO" dirty="0" smtClean="0"/>
+              <a:t>Conteo de Errores</a:t>
+            </a:r>
+            <a:endParaRPr lang="es-ES" dirty="0"/>
+          </a:p>
+        </p:txBody>
+      </p:sp>
+      <p:sp>
+        <p:nvSpPr>
+          <p:cNvPr id="3" name="Marcador de contenido 2"/>
+          <p:cNvSpPr>
+            <a:spLocks noGrp="1"/>
+          </p:cNvSpPr>
+          <p:nvPr>
+            <p:ph idx="1"/>
+          </p:nvPr>
+        </p:nvSpPr>
+        <p:spPr>
+          <a:xfrm>
+            <a:off x="677334" y="1481071"/>
+            <a:ext cx="8596668" cy="4560292"/>
+          </a:xfrm>
+        </p:spPr>
+        <p:txBody>
+          <a:bodyPr/>
+          <a:lstStyle/>
+          <a:p>
+            <a:r>
+              <a:rPr lang="es-CO" dirty="0" smtClean="0"/>
+              <a:t>Durante la fase de codificación se estimaron una cantidad de errores posibles (100), sin tener en cuenta cuantos errores correspondientes a cada lenguaje usado. En la siguiente tabla se muestra el conteo real de los errores encontrados durante el desarrollo de la fase.</a:t>
+            </a:r>
+          </a:p>
+          <a:p>
+            <a:endParaRPr lang="es-CO" dirty="0"/>
+          </a:p>
+          <a:p>
+            <a:endParaRPr lang="es-CO" dirty="0" smtClean="0"/>
+          </a:p>
+          <a:p>
+            <a:endParaRPr lang="es-CO" dirty="0"/>
+          </a:p>
+          <a:p>
+            <a:endParaRPr lang="es-CO" dirty="0" smtClean="0"/>
+          </a:p>
+          <a:p>
+            <a:endParaRPr lang="es-CO" dirty="0"/>
+          </a:p>
+          <a:p>
+            <a:endParaRPr lang="es-CO" dirty="0" smtClean="0"/>
+          </a:p>
+          <a:p>
+            <a:endParaRPr lang="es-CO" dirty="0"/>
+          </a:p>
+        </p:txBody>
+      </p:sp>
+      <p:graphicFrame>
+        <p:nvGraphicFramePr>
+          <p:cNvPr id="4" name="Tabla 3"/>
+          <p:cNvGraphicFramePr>
+            <a:graphicFrameLocks noGrp="1"/>
+          </p:cNvGraphicFramePr>
+          <p:nvPr>
+            <p:extLst>
+              <p:ext uri="{D42A27DB-BD31-4B8C-83A1-F6EECF244321}">
+                <p14:modId xmlns:p14="http://schemas.microsoft.com/office/powerpoint/2010/main" val="3161355153"/>
+              </p:ext>
+            </p:extLst>
+          </p:nvPr>
+        </p:nvGraphicFramePr>
+        <p:xfrm>
+          <a:off x="1272147" y="2818922"/>
+          <a:ext cx="4433194" cy="2225040"/>
+        </p:xfrm>
+        <a:graphic>
+          <a:graphicData uri="http://schemas.openxmlformats.org/drawingml/2006/table">
+            <a:tbl>
+              <a:tblPr firstRow="1" bandRow="1">
+                <a:tableStyleId>{5C22544A-7EE6-4342-B048-85BDC9FD1C3A}</a:tableStyleId>
+              </a:tblPr>
+              <a:tblGrid>
+                <a:gridCol w="1677115"/>
+                <a:gridCol w="2756079"/>
+              </a:tblGrid>
+              <a:tr h="370840">
+                <a:tc>
+                  <a:txBody>
+                    <a:bodyPr/>
+                    <a:lstStyle/>
+                    <a:p>
+                      <a:pPr algn="ctr"/>
+                      <a:r>
+                        <a:rPr lang="es-CO" dirty="0" smtClean="0"/>
+                        <a:t>FECHA</a:t>
+                      </a:r>
+                      <a:endParaRPr lang="es-ES" dirty="0"/>
+                    </a:p>
+                  </a:txBody>
+                  <a:tcPr/>
+                </a:tc>
+                <a:tc>
+                  <a:txBody>
+                    <a:bodyPr/>
+                    <a:lstStyle/>
+                    <a:p>
+                      <a:pPr algn="ctr"/>
+                      <a:r>
+                        <a:rPr lang="es-CO" dirty="0" smtClean="0"/>
+                        <a:t>CANTIDAD</a:t>
+                      </a:r>
+                      <a:r>
+                        <a:rPr lang="es-CO" baseline="0" dirty="0" smtClean="0"/>
+                        <a:t> DE ERRORES</a:t>
+                      </a:r>
+                      <a:endParaRPr lang="es-ES" dirty="0"/>
+                    </a:p>
+                  </a:txBody>
+                  <a:tcPr/>
+                </a:tc>
+              </a:tr>
+              <a:tr h="370840">
+                <a:tc>
+                  <a:txBody>
+                    <a:bodyPr/>
+                    <a:lstStyle/>
+                    <a:p>
+                      <a:pPr algn="ctr"/>
+                      <a:r>
+                        <a:rPr lang="es-CO" dirty="0" smtClean="0"/>
+                        <a:t>02/03/2015</a:t>
+                      </a:r>
+                      <a:endParaRPr lang="es-ES" dirty="0"/>
+                    </a:p>
+                  </a:txBody>
+                  <a:tcPr/>
+                </a:tc>
+                <a:tc>
+                  <a:txBody>
+                    <a:bodyPr/>
+                    <a:lstStyle/>
+                    <a:p>
+                      <a:pPr algn="ctr"/>
+                      <a:r>
+                        <a:rPr lang="es-CO" dirty="0" smtClean="0"/>
+                        <a:t>40</a:t>
+                      </a:r>
+                      <a:endParaRPr lang="es-ES" dirty="0"/>
+                    </a:p>
+                  </a:txBody>
+                  <a:tcPr/>
+                </a:tc>
+              </a:tr>
+              <a:tr h="370840">
+                <a:tc>
+                  <a:txBody>
+                    <a:bodyPr/>
+                    <a:lstStyle/>
+                    <a:p>
+                      <a:pPr algn="ctr"/>
+                      <a:r>
+                        <a:rPr lang="es-CO" dirty="0" smtClean="0"/>
+                        <a:t>03/03/2015</a:t>
+                      </a:r>
+                      <a:endParaRPr lang="es-ES" dirty="0"/>
+                    </a:p>
+                  </a:txBody>
+                  <a:tcPr/>
+                </a:tc>
+                <a:tc>
+                  <a:txBody>
+                    <a:bodyPr/>
+                    <a:lstStyle/>
+                    <a:p>
+                      <a:pPr algn="ctr"/>
+                      <a:r>
+                        <a:rPr lang="es-CO" dirty="0" smtClean="0"/>
+                        <a:t>23</a:t>
+                      </a:r>
+                      <a:endParaRPr lang="es-ES" dirty="0"/>
+                    </a:p>
+                  </a:txBody>
+                  <a:tcPr/>
+                </a:tc>
+              </a:tr>
+              <a:tr h="370840">
+                <a:tc>
+                  <a:txBody>
+                    <a:bodyPr/>
+                    <a:lstStyle/>
+                    <a:p>
+                      <a:pPr algn="ctr"/>
+                      <a:r>
+                        <a:rPr lang="es-CO" dirty="0" smtClean="0"/>
+                        <a:t>04/03/2015</a:t>
+                      </a:r>
+                      <a:endParaRPr lang="es-ES" dirty="0"/>
+                    </a:p>
+                  </a:txBody>
+                  <a:tcPr/>
+                </a:tc>
+                <a:tc>
+                  <a:txBody>
+                    <a:bodyPr/>
+                    <a:lstStyle/>
+                    <a:p>
+                      <a:pPr algn="ctr"/>
+                      <a:r>
+                        <a:rPr lang="es-CO" dirty="0" smtClean="0"/>
+                        <a:t>43</a:t>
+                      </a:r>
+                      <a:endParaRPr lang="es-ES" dirty="0"/>
+                    </a:p>
+                  </a:txBody>
+                  <a:tcPr/>
+                </a:tc>
+              </a:tr>
+              <a:tr h="370840">
+                <a:tc>
+                  <a:txBody>
+                    <a:bodyPr/>
+                    <a:lstStyle/>
+                    <a:p>
+                      <a:pPr algn="ctr"/>
+                      <a:r>
+                        <a:rPr lang="es-CO" dirty="0" smtClean="0"/>
+                        <a:t>05/03/2015</a:t>
+                      </a:r>
+                      <a:endParaRPr lang="es-ES" dirty="0"/>
+                    </a:p>
+                  </a:txBody>
+                  <a:tcPr/>
+                </a:tc>
+                <a:tc>
+                  <a:txBody>
+                    <a:bodyPr/>
+                    <a:lstStyle/>
+                    <a:p>
+                      <a:pPr algn="ctr"/>
+                      <a:r>
+                        <a:rPr lang="es-CO" dirty="0" smtClean="0"/>
+                        <a:t>38</a:t>
+                      </a:r>
+                      <a:endParaRPr lang="es-ES" dirty="0"/>
+                    </a:p>
+                  </a:txBody>
+                  <a:tcPr/>
+                </a:tc>
+              </a:tr>
+              <a:tr h="370840">
+                <a:tc>
+                  <a:txBody>
+                    <a:bodyPr/>
+                    <a:lstStyle/>
+                    <a:p>
+                      <a:pPr algn="ctr"/>
+                      <a:r>
+                        <a:rPr lang="es-CO" dirty="0" smtClean="0"/>
+                        <a:t>Total</a:t>
+                      </a:r>
+                      <a:r>
+                        <a:rPr lang="es-CO" baseline="0" dirty="0" smtClean="0"/>
+                        <a:t> errores</a:t>
+                      </a:r>
+                      <a:endParaRPr lang="es-ES" dirty="0"/>
+                    </a:p>
+                  </a:txBody>
+                  <a:tcPr/>
+                </a:tc>
+                <a:tc>
+                  <a:txBody>
+                    <a:bodyPr/>
+                    <a:lstStyle/>
+                    <a:p>
+                      <a:pPr algn="ctr"/>
+                      <a:r>
+                        <a:rPr lang="es-CO" dirty="0" smtClean="0"/>
+                        <a:t>144</a:t>
+                      </a:r>
+                      <a:endParaRPr lang="es-ES" dirty="0"/>
+                    </a:p>
+                  </a:txBody>
+                  <a:tcPr/>
+                </a:tc>
+              </a:tr>
+            </a:tbl>
+          </a:graphicData>
+        </a:graphic>
+      </p:graphicFrame>
+    </p:spTree>
+    <p:extLst>
+      <p:ext uri="{BB962C8B-B14F-4D97-AF65-F5344CB8AC3E}">
+        <p14:creationId xmlns:p14="http://schemas.microsoft.com/office/powerpoint/2010/main" val="2185006730"/>
+      </p:ext>
+    </p:extLst>
+  </p:cSld>
+  <p:clrMapOvr>
+    <a:masterClrMapping/>
+  </p:clrMapOvr>
+  <p:timing>
+    <p:tnLst>
+      <p:par>
+        <p:cTn id="1" dur="indefinite" restart="never" nodeType="tmRoot"/>
+      </p:par>
+    </p:tnLst>
+  </p:timing>
+</p:sld>
+</file>
+
+<file path=ppt/slides/slide6.xml><?xml version="1.0" encoding="utf-8"?>
+<p:sld xmlns:a="http://schemas.openxmlformats.org/drawingml/2006/main" xmlns:r="http://schemas.openxmlformats.org/officeDocument/2006/relationships" xmlns:p="http://schemas.openxmlformats.org/presentationml/2006/main">
+  <p:cSld>
+    <p:spTree>
+      <p:nvGrpSpPr>
+        <p:cNvPr id="1" name=""/>
+        <p:cNvGrpSpPr/>
+        <p:nvPr/>
+      </p:nvGrpSpPr>
+      <p:grpSpPr>
+        <a:xfrm>
+          <a:off x="0" y="0"/>
+          <a:ext cx="0" cy="0"/>
+          <a:chOff x="0" y="0"/>
+          <a:chExt cx="0" cy="0"/>
+        </a:xfrm>
+      </p:grpSpPr>
+      <p:sp>
+        <p:nvSpPr>
+          <p:cNvPr id="2" name="Título 1"/>
+          <p:cNvSpPr>
+            <a:spLocks noGrp="1"/>
+          </p:cNvSpPr>
+          <p:nvPr>
+            <p:ph type="title"/>
+          </p:nvPr>
+        </p:nvSpPr>
+        <p:spPr>
+          <a:xfrm>
+            <a:off x="677334" y="609600"/>
             <a:ext cx="8596668" cy="613893"/>
           </a:xfrm>
         </p:spPr>
@@ -6825,8 +7131,8 @@
         </p:nvSpPr>
         <p:spPr>
           <a:xfrm>
-            <a:off x="677334" y="1223493"/>
-            <a:ext cx="8596668" cy="4817869"/>
+            <a:off x="677334" y="2047742"/>
+            <a:ext cx="8596668" cy="1004552"/>
           </a:xfrm>
         </p:spPr>
         <p:txBody>
@@ -6836,34 +7142,386 @@
             <a:pPr algn="just"/>
             <a:r>
               <a:rPr lang="es-CO" dirty="0" smtClean="0"/>
-              <a:t>Se concluye que </a:t>
-            </a:r>
-            <a:r>
-              <a:rPr lang="es-CO" dirty="0" err="1" smtClean="0"/>
-              <a:t>psp</a:t>
+              <a:t>Se concluye que la metodología PSP ayuda al conocimiento propio </a:t>
             </a:r>
             <a:r>
               <a:rPr lang="es-CO" dirty="0" smtClean="0"/>
-              <a:t> ayuda al control del tiempo de desarrollo de las aplicaciones, ayuda a la planeación ya que se aprende a conocer sus aptitudes a la hora de codificar y planear un proyecto.</a:t>
+              <a:t>de las aptitudes y destrezas del programador, ayuda a la estimación de líneas de código y tiempo de desarrollo.</a:t>
             </a:r>
           </a:p>
           <a:p>
             <a:pPr algn="just"/>
+            <a:endParaRPr lang="es-CO" dirty="0" smtClean="0"/>
+          </a:p>
+          <a:p>
+            <a:pPr algn="just"/>
+            <a:endParaRPr lang="es-CO" dirty="0" smtClean="0"/>
+          </a:p>
+        </p:txBody>
+      </p:sp>
+      <p:sp>
+        <p:nvSpPr>
+          <p:cNvPr id="4" name="Título 1"/>
+          <p:cNvSpPr txBox="1">
+            <a:spLocks/>
+          </p:cNvSpPr>
+          <p:nvPr/>
+        </p:nvSpPr>
+        <p:spPr>
+          <a:xfrm>
+            <a:off x="677334" y="3262650"/>
+            <a:ext cx="8596668" cy="613893"/>
+          </a:xfrm>
+          <a:prstGeom prst="rect">
+            <a:avLst/>
+          </a:prstGeom>
+        </p:spPr>
+        <p:txBody>
+          <a:bodyPr vert="horz" lIns="91440" tIns="45720" rIns="91440" bIns="45720" rtlCol="0" anchor="t">
+            <a:normAutofit fontScale="97500"/>
+          </a:bodyPr>
+          <a:lstStyle>
+            <a:lvl1pPr algn="l" defTabSz="457200" rtl="0" eaLnBrk="1" latinLnBrk="0" hangingPunct="1">
+              <a:spcBef>
+                <a:spcPct val="0"/>
+              </a:spcBef>
+              <a:buNone/>
+              <a:defRPr sz="3600" kern="1200">
+                <a:solidFill>
+                  <a:schemeClr val="accent1"/>
+                </a:solidFill>
+                <a:latin typeface="+mj-lt"/>
+                <a:ea typeface="+mj-ea"/>
+                <a:cs typeface="+mj-cs"/>
+              </a:defRPr>
+            </a:lvl1pPr>
+            <a:lvl2pPr eaLnBrk="1" hangingPunct="1">
+              <a:defRPr>
+                <a:solidFill>
+                  <a:schemeClr val="tx2"/>
+                </a:solidFill>
+              </a:defRPr>
+            </a:lvl2pPr>
+            <a:lvl3pPr eaLnBrk="1" hangingPunct="1">
+              <a:defRPr>
+                <a:solidFill>
+                  <a:schemeClr val="tx2"/>
+                </a:solidFill>
+              </a:defRPr>
+            </a:lvl3pPr>
+            <a:lvl4pPr eaLnBrk="1" hangingPunct="1">
+              <a:defRPr>
+                <a:solidFill>
+                  <a:schemeClr val="tx2"/>
+                </a:solidFill>
+              </a:defRPr>
+            </a:lvl4pPr>
+            <a:lvl5pPr eaLnBrk="1" hangingPunct="1">
+              <a:defRPr>
+                <a:solidFill>
+                  <a:schemeClr val="tx2"/>
+                </a:solidFill>
+              </a:defRPr>
+            </a:lvl5pPr>
+            <a:lvl6pPr eaLnBrk="1" hangingPunct="1">
+              <a:defRPr>
+                <a:solidFill>
+                  <a:schemeClr val="tx2"/>
+                </a:solidFill>
+              </a:defRPr>
+            </a:lvl6pPr>
+            <a:lvl7pPr eaLnBrk="1" hangingPunct="1">
+              <a:defRPr>
+                <a:solidFill>
+                  <a:schemeClr val="tx2"/>
+                </a:solidFill>
+              </a:defRPr>
+            </a:lvl7pPr>
+            <a:lvl8pPr eaLnBrk="1" hangingPunct="1">
+              <a:defRPr>
+                <a:solidFill>
+                  <a:schemeClr val="tx2"/>
+                </a:solidFill>
+              </a:defRPr>
+            </a:lvl8pPr>
+            <a:lvl9pPr eaLnBrk="1" hangingPunct="1">
+              <a:defRPr>
+                <a:solidFill>
+                  <a:schemeClr val="tx2"/>
+                </a:solidFill>
+              </a:defRPr>
+            </a:lvl9pPr>
+          </a:lstStyle>
+          <a:p>
+            <a:r>
+              <a:rPr lang="es-CO" sz="3200" dirty="0" smtClean="0"/>
+              <a:t>Posibilidad de Mejoras</a:t>
+            </a:r>
+          </a:p>
+        </p:txBody>
+      </p:sp>
+      <p:sp>
+        <p:nvSpPr>
+          <p:cNvPr id="5" name="Marcador de contenido 2"/>
+          <p:cNvSpPr txBox="1">
+            <a:spLocks/>
+          </p:cNvSpPr>
+          <p:nvPr/>
+        </p:nvSpPr>
+        <p:spPr>
+          <a:xfrm>
+            <a:off x="677334" y="4260761"/>
+            <a:ext cx="8596668" cy="1004552"/>
+          </a:xfrm>
+          <a:prstGeom prst="rect">
+            <a:avLst/>
+          </a:prstGeom>
+        </p:spPr>
+        <p:txBody>
+          <a:bodyPr vert="horz" lIns="91440" tIns="45720" rIns="91440" bIns="45720" rtlCol="0">
+            <a:normAutofit fontScale="92500"/>
+          </a:bodyPr>
+          <a:lstStyle>
+            <a:lvl1pPr marL="342900" indent="-342900" algn="l" defTabSz="457200" rtl="0" eaLnBrk="1" latinLnBrk="0" hangingPunct="1">
+              <a:spcBef>
+                <a:spcPts val="1000"/>
+              </a:spcBef>
+              <a:spcAft>
+                <a:spcPts val="0"/>
+              </a:spcAft>
+              <a:buClr>
+                <a:schemeClr val="accent1"/>
+              </a:buClr>
+              <a:buSzPct val="80000"/>
+              <a:buFont typeface="Wingdings 3" charset="2"/>
+              <a:buChar char=""/>
+              <a:defRPr sz="1800" kern="1200">
+                <a:solidFill>
+                  <a:schemeClr val="tx1">
+                    <a:lumMod val="75000"/>
+                    <a:lumOff val="25000"/>
+                  </a:schemeClr>
+                </a:solidFill>
+                <a:latin typeface="+mn-lt"/>
+                <a:ea typeface="+mn-ea"/>
+                <a:cs typeface="+mn-cs"/>
+              </a:defRPr>
+            </a:lvl1pPr>
+            <a:lvl2pPr marL="742950" indent="-285750" algn="l" defTabSz="457200" rtl="0" eaLnBrk="1" latinLnBrk="0" hangingPunct="1">
+              <a:spcBef>
+                <a:spcPts val="1000"/>
+              </a:spcBef>
+              <a:spcAft>
+                <a:spcPts val="0"/>
+              </a:spcAft>
+              <a:buClr>
+                <a:schemeClr val="accent1"/>
+              </a:buClr>
+              <a:buSzPct val="80000"/>
+              <a:buFont typeface="Wingdings 3" charset="2"/>
+              <a:buChar char=""/>
+              <a:defRPr sz="1600" kern="1200">
+                <a:solidFill>
+                  <a:schemeClr val="tx1">
+                    <a:lumMod val="75000"/>
+                    <a:lumOff val="25000"/>
+                  </a:schemeClr>
+                </a:solidFill>
+                <a:latin typeface="+mn-lt"/>
+                <a:ea typeface="+mn-ea"/>
+                <a:cs typeface="+mn-cs"/>
+              </a:defRPr>
+            </a:lvl2pPr>
+            <a:lvl3pPr marL="1143000" indent="-228600" algn="l" defTabSz="457200" rtl="0" eaLnBrk="1" latinLnBrk="0" hangingPunct="1">
+              <a:spcBef>
+                <a:spcPts val="1000"/>
+              </a:spcBef>
+              <a:spcAft>
+                <a:spcPts val="0"/>
+              </a:spcAft>
+              <a:buClr>
+                <a:schemeClr val="accent1"/>
+              </a:buClr>
+              <a:buSzPct val="80000"/>
+              <a:buFont typeface="Wingdings 3" charset="2"/>
+              <a:buChar char=""/>
+              <a:defRPr sz="1400" kern="1200">
+                <a:solidFill>
+                  <a:schemeClr val="tx1">
+                    <a:lumMod val="75000"/>
+                    <a:lumOff val="25000"/>
+                  </a:schemeClr>
+                </a:solidFill>
+                <a:latin typeface="+mn-lt"/>
+                <a:ea typeface="+mn-ea"/>
+                <a:cs typeface="+mn-cs"/>
+              </a:defRPr>
+            </a:lvl3pPr>
+            <a:lvl4pPr marL="1600200" indent="-228600" algn="l" defTabSz="457200" rtl="0" eaLnBrk="1" latinLnBrk="0" hangingPunct="1">
+              <a:spcBef>
+                <a:spcPts val="1000"/>
+              </a:spcBef>
+              <a:spcAft>
+                <a:spcPts val="0"/>
+              </a:spcAft>
+              <a:buClr>
+                <a:schemeClr val="accent1"/>
+              </a:buClr>
+              <a:buSzPct val="80000"/>
+              <a:buFont typeface="Wingdings 3" charset="2"/>
+              <a:buChar char=""/>
+              <a:defRPr sz="1200" kern="1200">
+                <a:solidFill>
+                  <a:schemeClr val="tx1">
+                    <a:lumMod val="75000"/>
+                    <a:lumOff val="25000"/>
+                  </a:schemeClr>
+                </a:solidFill>
+                <a:latin typeface="+mn-lt"/>
+                <a:ea typeface="+mn-ea"/>
+                <a:cs typeface="+mn-cs"/>
+              </a:defRPr>
+            </a:lvl4pPr>
+            <a:lvl5pPr marL="2057400" indent="-228600" algn="l" defTabSz="457200" rtl="0" eaLnBrk="1" latinLnBrk="0" hangingPunct="1">
+              <a:spcBef>
+                <a:spcPts val="1000"/>
+              </a:spcBef>
+              <a:spcAft>
+                <a:spcPts val="0"/>
+              </a:spcAft>
+              <a:buClr>
+                <a:schemeClr val="accent1"/>
+              </a:buClr>
+              <a:buSzPct val="80000"/>
+              <a:buFont typeface="Wingdings 3" charset="2"/>
+              <a:buChar char=""/>
+              <a:defRPr sz="1200" kern="1200">
+                <a:solidFill>
+                  <a:schemeClr val="tx1">
+                    <a:lumMod val="75000"/>
+                    <a:lumOff val="25000"/>
+                  </a:schemeClr>
+                </a:solidFill>
+                <a:latin typeface="+mn-lt"/>
+                <a:ea typeface="+mn-ea"/>
+                <a:cs typeface="+mn-cs"/>
+              </a:defRPr>
+            </a:lvl5pPr>
+            <a:lvl6pPr marL="2514600" indent="-228600" algn="l" defTabSz="457200" rtl="0" eaLnBrk="1" latinLnBrk="0" hangingPunct="1">
+              <a:spcBef>
+                <a:spcPts val="1000"/>
+              </a:spcBef>
+              <a:spcAft>
+                <a:spcPts val="0"/>
+              </a:spcAft>
+              <a:buClr>
+                <a:schemeClr val="accent1"/>
+              </a:buClr>
+              <a:buSzPct val="80000"/>
+              <a:buFont typeface="Wingdings 3" charset="2"/>
+              <a:buChar char=""/>
+              <a:defRPr sz="1200" kern="1200">
+                <a:solidFill>
+                  <a:schemeClr val="tx1">
+                    <a:lumMod val="75000"/>
+                    <a:lumOff val="25000"/>
+                  </a:schemeClr>
+                </a:solidFill>
+                <a:latin typeface="+mn-lt"/>
+                <a:ea typeface="+mn-ea"/>
+                <a:cs typeface="+mn-cs"/>
+              </a:defRPr>
+            </a:lvl6pPr>
+            <a:lvl7pPr marL="2971800" indent="-228600" algn="l" defTabSz="457200" rtl="0" eaLnBrk="1" latinLnBrk="0" hangingPunct="1">
+              <a:spcBef>
+                <a:spcPts val="1000"/>
+              </a:spcBef>
+              <a:spcAft>
+                <a:spcPts val="0"/>
+              </a:spcAft>
+              <a:buClr>
+                <a:schemeClr val="accent1"/>
+              </a:buClr>
+              <a:buSzPct val="80000"/>
+              <a:buFont typeface="Wingdings 3" charset="2"/>
+              <a:buChar char=""/>
+              <a:defRPr sz="1200" kern="1200">
+                <a:solidFill>
+                  <a:schemeClr val="tx1">
+                    <a:lumMod val="75000"/>
+                    <a:lumOff val="25000"/>
+                  </a:schemeClr>
+                </a:solidFill>
+                <a:latin typeface="+mn-lt"/>
+                <a:ea typeface="+mn-ea"/>
+                <a:cs typeface="+mn-cs"/>
+              </a:defRPr>
+            </a:lvl7pPr>
+            <a:lvl8pPr marL="3429000" indent="-228600" algn="l" defTabSz="457200" rtl="0" eaLnBrk="1" latinLnBrk="0" hangingPunct="1">
+              <a:spcBef>
+                <a:spcPts val="1000"/>
+              </a:spcBef>
+              <a:spcAft>
+                <a:spcPts val="0"/>
+              </a:spcAft>
+              <a:buClr>
+                <a:schemeClr val="accent1"/>
+              </a:buClr>
+              <a:buSzPct val="80000"/>
+              <a:buFont typeface="Wingdings 3" charset="2"/>
+              <a:buChar char=""/>
+              <a:defRPr sz="1200" kern="1200">
+                <a:solidFill>
+                  <a:schemeClr val="tx1">
+                    <a:lumMod val="75000"/>
+                    <a:lumOff val="25000"/>
+                  </a:schemeClr>
+                </a:solidFill>
+                <a:latin typeface="+mn-lt"/>
+                <a:ea typeface="+mn-ea"/>
+                <a:cs typeface="+mn-cs"/>
+              </a:defRPr>
+            </a:lvl8pPr>
+            <a:lvl9pPr marL="3886200" indent="-228600" algn="l" defTabSz="457200" rtl="0" eaLnBrk="1" latinLnBrk="0" hangingPunct="1">
+              <a:spcBef>
+                <a:spcPts val="1000"/>
+              </a:spcBef>
+              <a:spcAft>
+                <a:spcPts val="0"/>
+              </a:spcAft>
+              <a:buClr>
+                <a:schemeClr val="accent1"/>
+              </a:buClr>
+              <a:buSzPct val="80000"/>
+              <a:buFont typeface="Wingdings 3" charset="2"/>
+              <a:buChar char=""/>
+              <a:defRPr sz="1200" kern="1200">
+                <a:solidFill>
+                  <a:schemeClr val="tx1">
+                    <a:lumMod val="75000"/>
+                    <a:lumOff val="25000"/>
+                  </a:schemeClr>
+                </a:solidFill>
+                <a:latin typeface="+mn-lt"/>
+                <a:ea typeface="+mn-ea"/>
+                <a:cs typeface="+mn-cs"/>
+              </a:defRPr>
+            </a:lvl9pPr>
+          </a:lstStyle>
+          <a:p>
+            <a:pPr algn="just"/>
             <a:r>
               <a:rPr lang="es-CO" dirty="0" smtClean="0"/>
-              <a:t>Se concluye que la estimación de las fases han sido desiguales con respecto a lo planeado.</a:t>
+              <a:t>Al analizar los resultados y rendimiento a lo largo del desarrollo de la aplicación se planea realizar un estudio mas afondo de las tecnologías usadas para en un futuro tener mas habilidad a la hora del desarrollo de aplicaciones de este tipo.</a:t>
             </a:r>
           </a:p>
           <a:p>
             <a:pPr algn="just"/>
-            <a:r>
-              <a:rPr lang="es-CO" dirty="0" smtClean="0"/>
-              <a:t>Faltaron condiciones  y excepciones  en </a:t>
-            </a:r>
-            <a:r>
-              <a:rPr lang="es-CO" smtClean="0"/>
-              <a:t>el código.</a:t>
-            </a:r>
+            <a:endParaRPr lang="es-CO" dirty="0" smtClean="0"/>
+          </a:p>
+          <a:p>
+            <a:pPr algn="just"/>
+            <a:endParaRPr lang="es-CO" dirty="0" smtClean="0"/>
           </a:p>
         </p:txBody>
       </p:sp>

--- a/postmortem/PostMortem.pptx
+++ b/postmortem/PostMortem.pptx
@@ -6027,16 +6027,18 @@
           <a:p>
             <a:pPr algn="just"/>
             <a:r>
-              <a:rPr lang="es-CO" dirty="0" err="1" smtClean="0"/>
-              <a:t>Diagrama_Clases</a:t>
-            </a:r>
-            <a:endParaRPr lang="es-CO" dirty="0" smtClean="0"/>
-          </a:p>
-          <a:p>
-            <a:pPr algn="just"/>
-            <a:r>
               <a:rPr lang="es-CO" dirty="0" err="1" smtClean="0">
                 <a:hlinkClick r:id="rId3" action="ppaction://hlinkfile"/>
+              </a:rPr>
+              <a:t>Diagrama_Clases</a:t>
+            </a:r>
+            <a:endParaRPr lang="es-CO" dirty="0" smtClean="0"/>
+          </a:p>
+          <a:p>
+            <a:pPr algn="just"/>
+            <a:r>
+              <a:rPr lang="es-CO" dirty="0" err="1" smtClean="0">
+                <a:hlinkClick r:id="rId4" action="ppaction://hlinkfile"/>
               </a:rPr>
               <a:t>ModeloEntidad-Relacion</a:t>
             </a:r>
@@ -6248,11 +6250,7 @@
                       <a:pPr algn="ctr"/>
                       <a:r>
                         <a:rPr lang="es-CO" dirty="0" smtClean="0"/>
-                        <a:t>2 </a:t>
-                      </a:r>
-                      <a:r>
-                        <a:rPr lang="es-CO" dirty="0" smtClean="0"/>
-                        <a:t>Horas</a:t>
+                        <a:t>2 Horas</a:t>
                       </a:r>
                       <a:endParaRPr lang="es-ES" dirty="0"/>
                     </a:p>
@@ -6415,11 +6413,7 @@
                       <a:pPr algn="ctr"/>
                       <a:r>
                         <a:rPr lang="es-CO" dirty="0" smtClean="0"/>
-                        <a:t>8,1 </a:t>
-                      </a:r>
-                      <a:r>
-                        <a:rPr lang="es-CO" dirty="0" smtClean="0"/>
-                        <a:t>Horas</a:t>
+                        <a:t>8,1 Horas</a:t>
                       </a:r>
                       <a:endParaRPr lang="es-ES" dirty="0"/>
                     </a:p>
@@ -6478,11 +6472,7 @@
                       <a:pPr algn="ctr"/>
                       <a:r>
                         <a:rPr lang="es-CO" dirty="0" smtClean="0"/>
-                        <a:t>2 </a:t>
-                      </a:r>
-                      <a:r>
-                        <a:rPr lang="es-CO" dirty="0" smtClean="0"/>
-                        <a:t>Horas</a:t>
+                        <a:t>2 Horas</a:t>
                       </a:r>
                       <a:endParaRPr lang="es-ES" dirty="0"/>
                     </a:p>
@@ -6497,11 +6487,7 @@
                       <a:pPr algn="ctr"/>
                       <a:r>
                         <a:rPr lang="es-CO" dirty="0" smtClean="0"/>
-                        <a:t>1 </a:t>
-                      </a:r>
-                      <a:r>
-                        <a:rPr lang="es-CO" dirty="0" smtClean="0"/>
-                        <a:t>Horas</a:t>
+                        <a:t>1 Horas</a:t>
                       </a:r>
                       <a:endParaRPr lang="es-ES" dirty="0"/>
                     </a:p>
@@ -6634,74 +6620,34 @@
           <a:p>
             <a:r>
               <a:rPr lang="es-CO" dirty="0" smtClean="0"/>
-              <a:t>PHP:105 </a:t>
-            </a:r>
+              <a:t>PHP:105 Aproximadamente</a:t>
+            </a:r>
+          </a:p>
+          <a:p>
             <a:r>
               <a:rPr lang="es-CO" dirty="0" smtClean="0"/>
-              <a:t>Aproximadamente</a:t>
+              <a:t>CSS:14 Aproximadamente</a:t>
             </a:r>
           </a:p>
           <a:p>
             <a:r>
               <a:rPr lang="es-CO" dirty="0" smtClean="0"/>
-              <a:t>CSS:14 </a:t>
-            </a:r>
+              <a:t>JAVASCRIPT:8 Aproximadamente </a:t>
+            </a:r>
+          </a:p>
+          <a:p>
             <a:r>
               <a:rPr lang="es-CO" dirty="0" smtClean="0"/>
-              <a:t>Aproximadamente</a:t>
-            </a:r>
+              <a:t>HTML:90 Aproximadamente</a:t>
+            </a:r>
+          </a:p>
+          <a:p>
+            <a:endParaRPr lang="es-CO" dirty="0"/>
           </a:p>
           <a:p>
             <a:r>
               <a:rPr lang="es-CO" dirty="0" smtClean="0"/>
-              <a:t>JAVASCRIPT:8 </a:t>
-            </a:r>
-            <a:r>
-              <a:rPr lang="es-CO" dirty="0" smtClean="0"/>
-              <a:t>Aproximadamente </a:t>
-            </a:r>
-          </a:p>
-          <a:p>
-            <a:r>
-              <a:rPr lang="es-CO" dirty="0" smtClean="0"/>
-              <a:t>HTML:90 </a:t>
-            </a:r>
-            <a:r>
-              <a:rPr lang="es-CO" dirty="0" smtClean="0"/>
-              <a:t>Aproximadamente</a:t>
-            </a:r>
-          </a:p>
-          <a:p>
-            <a:endParaRPr lang="es-CO" dirty="0"/>
-          </a:p>
-          <a:p>
-            <a:r>
-              <a:rPr lang="es-CO" dirty="0" smtClean="0"/>
-              <a:t>Lo que nos da un total de </a:t>
-            </a:r>
-            <a:r>
-              <a:rPr lang="es-CO" dirty="0" smtClean="0"/>
-              <a:t>217 </a:t>
-            </a:r>
-            <a:r>
-              <a:rPr lang="es-CO" dirty="0" smtClean="0"/>
-              <a:t>líneas de código, si en total se gasto aproximadamente  un total de </a:t>
-            </a:r>
-            <a:r>
-              <a:rPr lang="es-CO" dirty="0" smtClean="0"/>
-              <a:t>15,1 Horas </a:t>
-            </a:r>
-            <a:r>
-              <a:rPr lang="es-CO" dirty="0" smtClean="0"/>
-              <a:t>realizando la aplicación, tendríamos un promedio de  </a:t>
-            </a:r>
-            <a:r>
-              <a:rPr lang="es-CO" dirty="0" smtClean="0"/>
-              <a:t>14 </a:t>
-            </a:r>
-            <a:r>
-              <a:rPr lang="es-CO" dirty="0" smtClean="0"/>
-              <a:t>líneas de código por hora aproximadamente.</a:t>
+              <a:t>Lo que nos da un total de 217 líneas de código, si en total se gasto aproximadamente  un total de 15,1 Horas realizando la aplicación, tendríamos un promedio de  14 líneas de código por hora aproximadamente.</a:t>
             </a:r>
             <a:endParaRPr lang="es-ES" dirty="0"/>
           </a:p>
@@ -7142,11 +7088,7 @@
             <a:pPr algn="just"/>
             <a:r>
               <a:rPr lang="es-CO" dirty="0" smtClean="0"/>
-              <a:t>Se concluye que la metodología PSP ayuda al conocimiento propio </a:t>
-            </a:r>
-            <a:r>
-              <a:rPr lang="es-CO" dirty="0" smtClean="0"/>
-              <a:t>de las aptitudes y destrezas del programador, ayuda a la estimación de líneas de código y tiempo de desarrollo.</a:t>
+              <a:t>Se concluye que la metodología PSP ayuda al conocimiento propio de las aptitudes y destrezas del programador, ayuda a la estimación de líneas de código y tiempo de desarrollo.</a:t>
             </a:r>
           </a:p>
           <a:p>
